--- a/homework/assignment2/presentation/Yan_yand1.pptx
+++ b/homework/assignment2/presentation/Yan_yand1.pptx
@@ -13,6 +13,10 @@
     <p:sldId id="262" r:id="rId7"/>
     <p:sldId id="260" r:id="rId8"/>
     <p:sldId id="263" r:id="rId9"/>
+    <p:sldId id="265" r:id="rId10"/>
+    <p:sldId id="264" r:id="rId11"/>
+    <p:sldId id="266" r:id="rId12"/>
+    <p:sldId id="267" r:id="rId13"/>
   </p:sldIdLst>
   <p:sldSz cx="12192000" cy="6858000"/>
   <p:notesSz cx="6858000" cy="9144000"/>
@@ -111,6 +115,11 @@
       </a:defRPr>
     </a:lvl9pPr>
   </p:defaultTextStyle>
+  <p:extLst>
+    <p:ext uri="{EFAFB233-063F-42B5-8137-9DF3F51BA10A}">
+      <p15:sldGuideLst xmlns:p15="http://schemas.microsoft.com/office/powerpoint/2012/main"/>
+    </p:ext>
+  </p:extLst>
 </p:presentation>
 </file>
 
@@ -261,7 +270,7 @@
           <a:p>
             <a:fld id="{279B5F17-2C66-43FD-BAC8-21025EA14308}" type="datetimeFigureOut">
               <a:rPr lang="en-US" smtClean="0"/>
-              <a:t>2/7/2020</a:t>
+              <a:t>2/11/2020</a:t>
             </a:fld>
             <a:endParaRPr lang="en-US"/>
           </a:p>
@@ -459,7 +468,7 @@
           <a:p>
             <a:fld id="{279B5F17-2C66-43FD-BAC8-21025EA14308}" type="datetimeFigureOut">
               <a:rPr lang="en-US" smtClean="0"/>
-              <a:t>2/7/2020</a:t>
+              <a:t>2/11/2020</a:t>
             </a:fld>
             <a:endParaRPr lang="en-US"/>
           </a:p>
@@ -667,7 +676,7 @@
           <a:p>
             <a:fld id="{279B5F17-2C66-43FD-BAC8-21025EA14308}" type="datetimeFigureOut">
               <a:rPr lang="en-US" smtClean="0"/>
-              <a:t>2/7/2020</a:t>
+              <a:t>2/11/2020</a:t>
             </a:fld>
             <a:endParaRPr lang="en-US"/>
           </a:p>
@@ -865,7 +874,7 @@
           <a:p>
             <a:fld id="{279B5F17-2C66-43FD-BAC8-21025EA14308}" type="datetimeFigureOut">
               <a:rPr lang="en-US" smtClean="0"/>
-              <a:t>2/7/2020</a:t>
+              <a:t>2/11/2020</a:t>
             </a:fld>
             <a:endParaRPr lang="en-US"/>
           </a:p>
@@ -1140,7 +1149,7 @@
           <a:p>
             <a:fld id="{279B5F17-2C66-43FD-BAC8-21025EA14308}" type="datetimeFigureOut">
               <a:rPr lang="en-US" smtClean="0"/>
-              <a:t>2/7/2020</a:t>
+              <a:t>2/11/2020</a:t>
             </a:fld>
             <a:endParaRPr lang="en-US"/>
           </a:p>
@@ -1405,7 +1414,7 @@
           <a:p>
             <a:fld id="{279B5F17-2C66-43FD-BAC8-21025EA14308}" type="datetimeFigureOut">
               <a:rPr lang="en-US" smtClean="0"/>
-              <a:t>2/7/2020</a:t>
+              <a:t>2/11/2020</a:t>
             </a:fld>
             <a:endParaRPr lang="en-US"/>
           </a:p>
@@ -1817,7 +1826,7 @@
           <a:p>
             <a:fld id="{279B5F17-2C66-43FD-BAC8-21025EA14308}" type="datetimeFigureOut">
               <a:rPr lang="en-US" smtClean="0"/>
-              <a:t>2/7/2020</a:t>
+              <a:t>2/11/2020</a:t>
             </a:fld>
             <a:endParaRPr lang="en-US"/>
           </a:p>
@@ -1958,7 +1967,7 @@
           <a:p>
             <a:fld id="{279B5F17-2C66-43FD-BAC8-21025EA14308}" type="datetimeFigureOut">
               <a:rPr lang="en-US" smtClean="0"/>
-              <a:t>2/7/2020</a:t>
+              <a:t>2/11/2020</a:t>
             </a:fld>
             <a:endParaRPr lang="en-US"/>
           </a:p>
@@ -2071,7 +2080,7 @@
           <a:p>
             <a:fld id="{279B5F17-2C66-43FD-BAC8-21025EA14308}" type="datetimeFigureOut">
               <a:rPr lang="en-US" smtClean="0"/>
-              <a:t>2/7/2020</a:t>
+              <a:t>2/11/2020</a:t>
             </a:fld>
             <a:endParaRPr lang="en-US"/>
           </a:p>
@@ -2382,7 +2391,7 @@
           <a:p>
             <a:fld id="{279B5F17-2C66-43FD-BAC8-21025EA14308}" type="datetimeFigureOut">
               <a:rPr lang="en-US" smtClean="0"/>
-              <a:t>2/7/2020</a:t>
+              <a:t>2/11/2020</a:t>
             </a:fld>
             <a:endParaRPr lang="en-US"/>
           </a:p>
@@ -2670,7 +2679,7 @@
           <a:p>
             <a:fld id="{279B5F17-2C66-43FD-BAC8-21025EA14308}" type="datetimeFigureOut">
               <a:rPr lang="en-US" smtClean="0"/>
-              <a:t>2/7/2020</a:t>
+              <a:t>2/11/2020</a:t>
             </a:fld>
             <a:endParaRPr lang="en-US"/>
           </a:p>
@@ -2911,7 +2920,7 @@
           <a:p>
             <a:fld id="{279B5F17-2C66-43FD-BAC8-21025EA14308}" type="datetimeFigureOut">
               <a:rPr lang="en-US" smtClean="0"/>
-              <a:t>2/7/2020</a:t>
+              <a:t>2/11/2020</a:t>
             </a:fld>
             <a:endParaRPr lang="en-US"/>
           </a:p>
@@ -3397,6 +3406,304 @@
 </p:sld>
 </file>
 
+<file path=ppt/slides/slide10.xml><?xml version="1.0" encoding="utf-8"?>
+<p:sld xmlns:a="http://schemas.openxmlformats.org/drawingml/2006/main" xmlns:r="http://schemas.openxmlformats.org/officeDocument/2006/relationships" xmlns:p="http://schemas.openxmlformats.org/presentationml/2006/main">
+  <p:cSld>
+    <p:spTree>
+      <p:nvGrpSpPr>
+        <p:cNvPr id="1" name=""/>
+        <p:cNvGrpSpPr/>
+        <p:nvPr/>
+      </p:nvGrpSpPr>
+      <p:grpSpPr>
+        <a:xfrm>
+          <a:off x="0" y="0"/>
+          <a:ext cx="0" cy="0"/>
+          <a:chOff x="0" y="0"/>
+          <a:chExt cx="0" cy="0"/>
+        </a:xfrm>
+      </p:grpSpPr>
+      <p:sp>
+        <p:nvSpPr>
+          <p:cNvPr id="2" name="Title 1">
+            <a:extLst>
+              <a:ext uri="{FF2B5EF4-FFF2-40B4-BE49-F238E27FC236}">
+                <a16:creationId xmlns:a16="http://schemas.microsoft.com/office/drawing/2014/main" id="{B7175D80-1854-40F7-A621-F8C4BB9FD118}"/>
+              </a:ext>
+            </a:extLst>
+          </p:cNvPr>
+          <p:cNvSpPr>
+            <a:spLocks noGrp="1"/>
+          </p:cNvSpPr>
+          <p:nvPr>
+            <p:ph type="title"/>
+          </p:nvPr>
+        </p:nvSpPr>
+        <p:spPr/>
+        <p:txBody>
+          <a:bodyPr/>
+          <a:lstStyle/>
+          <a:p>
+            <a:r>
+              <a:rPr lang="en-US" dirty="0"/>
+              <a:t>Confusion Matrix</a:t>
+            </a:r>
+          </a:p>
+        </p:txBody>
+      </p:sp>
+      <p:pic>
+        <p:nvPicPr>
+          <p:cNvPr id="5" name="Picture 4">
+            <a:extLst>
+              <a:ext uri="{FF2B5EF4-FFF2-40B4-BE49-F238E27FC236}">
+                <a16:creationId xmlns:a16="http://schemas.microsoft.com/office/drawing/2014/main" id="{9CD6CC2C-E499-416C-85AF-2931C7280856}"/>
+              </a:ext>
+            </a:extLst>
+          </p:cNvPr>
+          <p:cNvPicPr>
+            <a:picLocks noChangeAspect="1"/>
+          </p:cNvPicPr>
+          <p:nvPr/>
+        </p:nvPicPr>
+        <p:blipFill>
+          <a:blip r:embed="rId2">
+            <a:extLst>
+              <a:ext uri="{28A0092B-C50C-407E-A947-70E740481C1C}">
+                <a14:useLocalDpi xmlns:a14="http://schemas.microsoft.com/office/drawing/2010/main" val="0"/>
+              </a:ext>
+            </a:extLst>
+          </a:blip>
+          <a:stretch>
+            <a:fillRect/>
+          </a:stretch>
+        </p:blipFill>
+        <p:spPr>
+          <a:xfrm>
+            <a:off x="2401676" y="1297236"/>
+            <a:ext cx="7414351" cy="5560763"/>
+          </a:xfrm>
+          <a:prstGeom prst="rect">
+            <a:avLst/>
+          </a:prstGeom>
+        </p:spPr>
+      </p:pic>
+    </p:spTree>
+    <p:extLst>
+      <p:ext uri="{BB962C8B-B14F-4D97-AF65-F5344CB8AC3E}">
+        <p14:creationId xmlns:p14="http://schemas.microsoft.com/office/powerpoint/2010/main" val="41092784"/>
+      </p:ext>
+    </p:extLst>
+  </p:cSld>
+  <p:clrMapOvr>
+    <a:masterClrMapping/>
+  </p:clrMapOvr>
+</p:sld>
+</file>
+
+<file path=ppt/slides/slide11.xml><?xml version="1.0" encoding="utf-8"?>
+<p:sld xmlns:a="http://schemas.openxmlformats.org/drawingml/2006/main" xmlns:r="http://schemas.openxmlformats.org/officeDocument/2006/relationships" xmlns:p="http://schemas.openxmlformats.org/presentationml/2006/main">
+  <p:cSld>
+    <p:spTree>
+      <p:nvGrpSpPr>
+        <p:cNvPr id="1" name=""/>
+        <p:cNvGrpSpPr/>
+        <p:nvPr/>
+      </p:nvGrpSpPr>
+      <p:grpSpPr>
+        <a:xfrm>
+          <a:off x="0" y="0"/>
+          <a:ext cx="0" cy="0"/>
+          <a:chOff x="0" y="0"/>
+          <a:chExt cx="0" cy="0"/>
+        </a:xfrm>
+      </p:grpSpPr>
+      <p:sp>
+        <p:nvSpPr>
+          <p:cNvPr id="2" name="Title 1">
+            <a:extLst>
+              <a:ext uri="{FF2B5EF4-FFF2-40B4-BE49-F238E27FC236}">
+                <a16:creationId xmlns:a16="http://schemas.microsoft.com/office/drawing/2014/main" id="{06909979-1B9C-48EA-A0BA-57D7171B7988}"/>
+              </a:ext>
+            </a:extLst>
+          </p:cNvPr>
+          <p:cNvSpPr>
+            <a:spLocks noGrp="1"/>
+          </p:cNvSpPr>
+          <p:nvPr>
+            <p:ph type="title"/>
+          </p:nvPr>
+        </p:nvSpPr>
+        <p:spPr/>
+        <p:txBody>
+          <a:bodyPr/>
+          <a:lstStyle/>
+          <a:p>
+            <a:r>
+              <a:rPr lang="en-US" dirty="0"/>
+              <a:t>Conclusions</a:t>
+            </a:r>
+          </a:p>
+        </p:txBody>
+      </p:sp>
+      <p:sp>
+        <p:nvSpPr>
+          <p:cNvPr id="3" name="Content Placeholder 2">
+            <a:extLst>
+              <a:ext uri="{FF2B5EF4-FFF2-40B4-BE49-F238E27FC236}">
+                <a16:creationId xmlns:a16="http://schemas.microsoft.com/office/drawing/2014/main" id="{6540340A-3274-47B8-8549-49D612B0E86D}"/>
+              </a:ext>
+            </a:extLst>
+          </p:cNvPr>
+          <p:cNvSpPr>
+            <a:spLocks noGrp="1"/>
+          </p:cNvSpPr>
+          <p:nvPr>
+            <p:ph idx="1"/>
+          </p:nvPr>
+        </p:nvSpPr>
+        <p:spPr/>
+        <p:txBody>
+          <a:bodyPr/>
+          <a:lstStyle/>
+          <a:p>
+            <a:r>
+              <a:rPr lang="en-US" dirty="0"/>
+              <a:t>Key Challenge: Different distribution of training/validation and testing sets</a:t>
+            </a:r>
+          </a:p>
+          <a:p>
+            <a:pPr lvl="1"/>
+            <a:r>
+              <a:rPr lang="en-US" dirty="0"/>
+              <a:t>Must avoid overfitting testing set</a:t>
+            </a:r>
+          </a:p>
+          <a:p>
+            <a:r>
+              <a:rPr lang="en-US" dirty="0"/>
+              <a:t>Future Improvements</a:t>
+            </a:r>
+          </a:p>
+          <a:p>
+            <a:pPr lvl="1"/>
+            <a:r>
+              <a:rPr lang="en-US" dirty="0"/>
+              <a:t>Explore statistical modeling to make model more robust to different distributions</a:t>
+            </a:r>
+          </a:p>
+          <a:p>
+            <a:pPr lvl="1"/>
+            <a:endParaRPr lang="en-US" dirty="0"/>
+          </a:p>
+        </p:txBody>
+      </p:sp>
+    </p:spTree>
+    <p:extLst>
+      <p:ext uri="{BB962C8B-B14F-4D97-AF65-F5344CB8AC3E}">
+        <p14:creationId xmlns:p14="http://schemas.microsoft.com/office/powerpoint/2010/main" val="4145574649"/>
+      </p:ext>
+    </p:extLst>
+  </p:cSld>
+  <p:clrMapOvr>
+    <a:masterClrMapping/>
+  </p:clrMapOvr>
+</p:sld>
+</file>
+
+<file path=ppt/slides/slide12.xml><?xml version="1.0" encoding="utf-8"?>
+<p:sld xmlns:a="http://schemas.openxmlformats.org/drawingml/2006/main" xmlns:r="http://schemas.openxmlformats.org/officeDocument/2006/relationships" xmlns:p="http://schemas.openxmlformats.org/presentationml/2006/main">
+  <p:cSld>
+    <p:spTree>
+      <p:nvGrpSpPr>
+        <p:cNvPr id="1" name=""/>
+        <p:cNvGrpSpPr/>
+        <p:nvPr/>
+      </p:nvGrpSpPr>
+      <p:grpSpPr>
+        <a:xfrm>
+          <a:off x="0" y="0"/>
+          <a:ext cx="0" cy="0"/>
+          <a:chOff x="0" y="0"/>
+          <a:chExt cx="0" cy="0"/>
+        </a:xfrm>
+      </p:grpSpPr>
+      <p:sp>
+        <p:nvSpPr>
+          <p:cNvPr id="2" name="Title 1">
+            <a:extLst>
+              <a:ext uri="{FF2B5EF4-FFF2-40B4-BE49-F238E27FC236}">
+                <a16:creationId xmlns:a16="http://schemas.microsoft.com/office/drawing/2014/main" id="{6A6CE3F0-FF80-4554-9F63-C1C1877E8D3D}"/>
+              </a:ext>
+            </a:extLst>
+          </p:cNvPr>
+          <p:cNvSpPr>
+            <a:spLocks noGrp="1"/>
+          </p:cNvSpPr>
+          <p:nvPr>
+            <p:ph type="title"/>
+          </p:nvPr>
+        </p:nvSpPr>
+        <p:spPr/>
+        <p:txBody>
+          <a:bodyPr/>
+          <a:lstStyle/>
+          <a:p>
+            <a:r>
+              <a:rPr lang="en-US" dirty="0"/>
+              <a:t>Acknowledgements</a:t>
+            </a:r>
+          </a:p>
+        </p:txBody>
+      </p:sp>
+      <p:sp>
+        <p:nvSpPr>
+          <p:cNvPr id="3" name="Content Placeholder 2">
+            <a:extLst>
+              <a:ext uri="{FF2B5EF4-FFF2-40B4-BE49-F238E27FC236}">
+                <a16:creationId xmlns:a16="http://schemas.microsoft.com/office/drawing/2014/main" id="{7BCD2537-B484-4722-AAF2-7BF97F65C9A7}"/>
+              </a:ext>
+            </a:extLst>
+          </p:cNvPr>
+          <p:cNvSpPr>
+            <a:spLocks noGrp="1"/>
+          </p:cNvSpPr>
+          <p:nvPr>
+            <p:ph idx="1"/>
+          </p:nvPr>
+        </p:nvSpPr>
+        <p:spPr/>
+        <p:txBody>
+          <a:bodyPr/>
+          <a:lstStyle/>
+          <a:p>
+            <a:r>
+              <a:rPr lang="en-US" dirty="0"/>
+              <a:t>Huang, Gao, et al. "Densely connected convolutional networks." </a:t>
+            </a:r>
+            <a:r>
+              <a:rPr lang="en-US" i="1" dirty="0"/>
+              <a:t>Proceedings of the IEEE conference on computer vision and pattern recognition</a:t>
+            </a:r>
+            <a:r>
+              <a:rPr lang="en-US" dirty="0"/>
+              <a:t>. 2017.</a:t>
+            </a:r>
+          </a:p>
+        </p:txBody>
+      </p:sp>
+    </p:spTree>
+    <p:extLst>
+      <p:ext uri="{BB962C8B-B14F-4D97-AF65-F5344CB8AC3E}">
+        <p14:creationId xmlns:p14="http://schemas.microsoft.com/office/powerpoint/2010/main" val="3685680934"/>
+      </p:ext>
+    </p:extLst>
+  </p:cSld>
+  <p:clrMapOvr>
+    <a:masterClrMapping/>
+  </p:clrMapOvr>
+</p:sld>
+</file>
+
 <file path=ppt/slides/slide2.xml><?xml version="1.0" encoding="utf-8"?>
 <p:sld xmlns:a="http://schemas.openxmlformats.org/drawingml/2006/main" xmlns:r="http://schemas.openxmlformats.org/officeDocument/2006/relationships" xmlns:p="http://schemas.openxmlformats.org/presentationml/2006/main">
   <p:cSld>
@@ -3549,7 +3856,51 @@
           <a:bodyPr/>
           <a:lstStyle/>
           <a:p>
-            <a:endParaRPr lang="en-US"/>
+            <a:r>
+              <a:rPr lang="en-US" dirty="0"/>
+              <a:t>Classification using pretrained densenet121: transfer learning</a:t>
+            </a:r>
+          </a:p>
+          <a:p>
+            <a:r>
+              <a:rPr lang="en-US" dirty="0"/>
+              <a:t>Alternative architectures attempted:</a:t>
+            </a:r>
+          </a:p>
+          <a:p>
+            <a:pPr lvl="1"/>
+            <a:r>
+              <a:rPr lang="en-US" dirty="0"/>
+              <a:t>VGG</a:t>
+            </a:r>
+          </a:p>
+          <a:p>
+            <a:pPr lvl="1"/>
+            <a:r>
+              <a:rPr lang="en-US" dirty="0"/>
+              <a:t>Resnet</a:t>
+            </a:r>
+          </a:p>
+          <a:p>
+            <a:r>
+              <a:rPr lang="en-US" dirty="0"/>
+              <a:t>Unsuccessful alternative ideas (similar validation accuracy)</a:t>
+            </a:r>
+          </a:p>
+          <a:p>
+            <a:pPr lvl="1"/>
+            <a:r>
+              <a:rPr lang="en-US" dirty="0"/>
+              <a:t>Binary prediction of if image is class 1, then classify remaining 6 classes</a:t>
+            </a:r>
+          </a:p>
+          <a:p>
+            <a:pPr lvl="1"/>
+            <a:r>
+              <a:rPr lang="en-US"/>
+              <a:t>Ensemble methods</a:t>
+            </a:r>
+            <a:endParaRPr lang="en-US" dirty="0"/>
           </a:p>
         </p:txBody>
       </p:sp>
@@ -3660,8 +4011,8 @@
         </p:nvSpPr>
         <p:spPr>
           <a:xfrm>
-            <a:off x="2005070" y="5431316"/>
-            <a:ext cx="8967730" cy="369332"/>
+            <a:off x="1255923" y="4659370"/>
+            <a:ext cx="9617725" cy="369332"/>
           </a:xfrm>
           <a:prstGeom prst="rect">
             <a:avLst/>
@@ -3676,7 +4027,49 @@
           <a:p>
             <a:r>
               <a:rPr lang="en-US" dirty="0"/>
-              <a:t>https://towardsdatascience.com/understanding-and-visualizing-densenets-7f688092391a</a:t>
+              <a:t>Figure: https://towardsdatascience.com/understanding-and-visualizing-densenets-7f688092391a</a:t>
+            </a:r>
+          </a:p>
+        </p:txBody>
+      </p:sp>
+      <p:sp>
+        <p:nvSpPr>
+          <p:cNvPr id="4" name="Rectangle 3">
+            <a:extLst>
+              <a:ext uri="{FF2B5EF4-FFF2-40B4-BE49-F238E27FC236}">
+                <a16:creationId xmlns:a16="http://schemas.microsoft.com/office/drawing/2014/main" id="{12FC1C39-919D-4CED-99D3-E81CC6C75AD3}"/>
+              </a:ext>
+            </a:extLst>
+          </p:cNvPr>
+          <p:cNvSpPr/>
+          <p:nvPr/>
+        </p:nvSpPr>
+        <p:spPr>
+          <a:xfrm>
+            <a:off x="1255923" y="5360518"/>
+            <a:ext cx="9529590" cy="646331"/>
+          </a:xfrm>
+          <a:prstGeom prst="rect">
+            <a:avLst/>
+          </a:prstGeom>
+        </p:spPr>
+        <p:txBody>
+          <a:bodyPr wrap="square">
+            <a:spAutoFit/>
+          </a:bodyPr>
+          <a:lstStyle/>
+          <a:p>
+            <a:r>
+              <a:rPr lang="en-US" dirty="0"/>
+              <a:t>Original Paper: Huang, Gao, et al. "Densely connected convolutional networks." </a:t>
+            </a:r>
+            <a:r>
+              <a:rPr lang="en-US" i="1" dirty="0"/>
+              <a:t>Proceedings of the IEEE conference on computer vision and pattern recognition</a:t>
+            </a:r>
+            <a:r>
+              <a:rPr lang="en-US" dirty="0"/>
+              <a:t>. 2017.</a:t>
             </a:r>
           </a:p>
         </p:txBody>
@@ -3766,6 +4159,12 @@
           <a:p>
             <a:r>
               <a:rPr lang="en-US" dirty="0"/>
+              <a:t>Training/Validation Split: 10% of training data (~900 images) used for validation</a:t>
+            </a:r>
+          </a:p>
+          <a:p>
+            <a:r>
+              <a:rPr lang="en-US" dirty="0"/>
               <a:t>Input: Resized to 224x224 to use pretrained ImageNet model for transfer learning (also I have a laptop GPU)</a:t>
             </a:r>
           </a:p>
@@ -3865,6 +4264,12 @@
             <a:r>
               <a:rPr lang="en-US" dirty="0"/>
               <a:t>Early Stopping: Save and use the model with the lowest validation loss</a:t>
+            </a:r>
+          </a:p>
+          <a:p>
+            <a:r>
+              <a:rPr lang="en-US" dirty="0"/>
+              <a:t>Useful due to spikes in validation loss during training</a:t>
             </a:r>
           </a:p>
         </p:txBody>
@@ -4294,41 +4699,166 @@
           <a:lstStyle/>
           <a:p>
             <a:r>
-              <a:rPr lang="en-US"/>
-              <a:t>Resultss</a:t>
-            </a:r>
-          </a:p>
-        </p:txBody>
-      </p:sp>
-      <p:sp>
-        <p:nvSpPr>
-          <p:cNvPr id="3" name="Content Placeholder 2">
-            <a:extLst>
-              <a:ext uri="{FF2B5EF4-FFF2-40B4-BE49-F238E27FC236}">
-                <a16:creationId xmlns:a16="http://schemas.microsoft.com/office/drawing/2014/main" id="{FA5DE61D-BC42-4A94-B3B6-BFBADBAD9ABB}"/>
-              </a:ext>
-            </a:extLst>
-          </p:cNvPr>
-          <p:cNvSpPr>
-            <a:spLocks noGrp="1"/>
-          </p:cNvSpPr>
-          <p:nvPr>
-            <p:ph idx="1"/>
-          </p:nvPr>
-        </p:nvSpPr>
-        <p:spPr/>
-        <p:txBody>
-          <a:bodyPr/>
-          <a:lstStyle/>
-          <a:p>
-            <a:endParaRPr lang="en-US"/>
-          </a:p>
-        </p:txBody>
-      </p:sp>
+              <a:rPr lang="en-US" dirty="0"/>
+              <a:t>Learning Curve</a:t>
+            </a:r>
+          </a:p>
+        </p:txBody>
+      </p:sp>
+      <p:pic>
+        <p:nvPicPr>
+          <p:cNvPr id="5" name="Picture 4">
+            <a:extLst>
+              <a:ext uri="{FF2B5EF4-FFF2-40B4-BE49-F238E27FC236}">
+                <a16:creationId xmlns:a16="http://schemas.microsoft.com/office/drawing/2014/main" id="{84E113F1-B43C-4701-9860-78C555EA3760}"/>
+              </a:ext>
+            </a:extLst>
+          </p:cNvPr>
+          <p:cNvPicPr>
+            <a:picLocks noChangeAspect="1"/>
+          </p:cNvPicPr>
+          <p:nvPr/>
+        </p:nvPicPr>
+        <p:blipFill>
+          <a:blip r:embed="rId2">
+            <a:extLst>
+              <a:ext uri="{28A0092B-C50C-407E-A947-70E740481C1C}">
+                <a14:useLocalDpi xmlns:a14="http://schemas.microsoft.com/office/drawing/2010/main" val="0"/>
+              </a:ext>
+            </a:extLst>
+          </a:blip>
+          <a:stretch>
+            <a:fillRect/>
+          </a:stretch>
+        </p:blipFill>
+        <p:spPr>
+          <a:xfrm>
+            <a:off x="1953659" y="1447696"/>
+            <a:ext cx="6726905" cy="5045179"/>
+          </a:xfrm>
+          <a:prstGeom prst="rect">
+            <a:avLst/>
+          </a:prstGeom>
+        </p:spPr>
+      </p:pic>
     </p:spTree>
     <p:extLst>
       <p:ext uri="{BB962C8B-B14F-4D97-AF65-F5344CB8AC3E}">
         <p14:creationId xmlns:p14="http://schemas.microsoft.com/office/powerpoint/2010/main" val="3126380040"/>
+      </p:ext>
+    </p:extLst>
+  </p:cSld>
+  <p:clrMapOvr>
+    <a:masterClrMapping/>
+  </p:clrMapOvr>
+</p:sld>
+</file>
+
+<file path=ppt/slides/slide9.xml><?xml version="1.0" encoding="utf-8"?>
+<p:sld xmlns:a="http://schemas.openxmlformats.org/drawingml/2006/main" xmlns:r="http://schemas.openxmlformats.org/officeDocument/2006/relationships" xmlns:p="http://schemas.openxmlformats.org/presentationml/2006/main">
+  <p:cSld>
+    <p:spTree>
+      <p:nvGrpSpPr>
+        <p:cNvPr id="1" name=""/>
+        <p:cNvGrpSpPr/>
+        <p:nvPr/>
+      </p:nvGrpSpPr>
+      <p:grpSpPr>
+        <a:xfrm>
+          <a:off x="0" y="0"/>
+          <a:ext cx="0" cy="0"/>
+          <a:chOff x="0" y="0"/>
+          <a:chExt cx="0" cy="0"/>
+        </a:xfrm>
+      </p:grpSpPr>
+      <p:sp>
+        <p:nvSpPr>
+          <p:cNvPr id="2" name="Title 1">
+            <a:extLst>
+              <a:ext uri="{FF2B5EF4-FFF2-40B4-BE49-F238E27FC236}">
+                <a16:creationId xmlns:a16="http://schemas.microsoft.com/office/drawing/2014/main" id="{9D642A85-16B9-43D4-A64F-A0967F7CF04F}"/>
+              </a:ext>
+            </a:extLst>
+          </p:cNvPr>
+          <p:cNvSpPr>
+            <a:spLocks noGrp="1"/>
+          </p:cNvSpPr>
+          <p:nvPr>
+            <p:ph type="title"/>
+          </p:nvPr>
+        </p:nvSpPr>
+        <p:spPr/>
+        <p:txBody>
+          <a:bodyPr/>
+          <a:lstStyle/>
+          <a:p>
+            <a:r>
+              <a:rPr lang="en-US" dirty="0"/>
+              <a:t>Test Metrics</a:t>
+            </a:r>
+          </a:p>
+        </p:txBody>
+      </p:sp>
+      <p:sp>
+        <p:nvSpPr>
+          <p:cNvPr id="3" name="Content Placeholder 2">
+            <a:extLst>
+              <a:ext uri="{FF2B5EF4-FFF2-40B4-BE49-F238E27FC236}">
+                <a16:creationId xmlns:a16="http://schemas.microsoft.com/office/drawing/2014/main" id="{1B1D0A4A-2BF4-4DE5-A86D-4757042B4E4A}"/>
+              </a:ext>
+            </a:extLst>
+          </p:cNvPr>
+          <p:cNvSpPr>
+            <a:spLocks noGrp="1"/>
+          </p:cNvSpPr>
+          <p:nvPr>
+            <p:ph idx="1"/>
+          </p:nvPr>
+        </p:nvSpPr>
+        <p:spPr/>
+        <p:txBody>
+          <a:bodyPr/>
+          <a:lstStyle/>
+          <a:p>
+            <a:r>
+              <a:rPr lang="en-US" dirty="0"/>
+              <a:t>Accuracy: 0.691</a:t>
+            </a:r>
+          </a:p>
+          <a:p>
+            <a:r>
+              <a:rPr lang="en-US" dirty="0"/>
+              <a:t>Precision: 0.518 (</a:t>
+            </a:r>
+            <a:r>
+              <a:rPr lang="en-US" dirty="0" err="1"/>
+              <a:t>sklearn</a:t>
+            </a:r>
+            <a:r>
+              <a:rPr lang="en-US" dirty="0"/>
+              <a:t> macro weighted)</a:t>
+            </a:r>
+          </a:p>
+          <a:p>
+            <a:r>
+              <a:rPr lang="en-US" dirty="0"/>
+              <a:t>Recall: 0. 447 (</a:t>
+            </a:r>
+            <a:r>
+              <a:rPr lang="en-US" dirty="0" err="1"/>
+              <a:t>sklearn</a:t>
+            </a:r>
+            <a:r>
+              <a:rPr lang="en-US" dirty="0"/>
+              <a:t> macro weighted)</a:t>
+            </a:r>
+          </a:p>
+        </p:txBody>
+      </p:sp>
+    </p:spTree>
+    <p:extLst>
+      <p:ext uri="{BB962C8B-B14F-4D97-AF65-F5344CB8AC3E}">
+        <p14:creationId xmlns:p14="http://schemas.microsoft.com/office/powerpoint/2010/main" val="3953943933"/>
       </p:ext>
     </p:extLst>
   </p:cSld>
